--- a/img/plates.pptx
+++ b/img/plates.pptx
@@ -5,11 +5,12 @@
     <p:sldMasterId id="2147483648" r:id="rId1"/>
   </p:sldMasterIdLst>
   <p:notesMasterIdLst>
-    <p:notesMasterId r:id="rId4"/>
+    <p:notesMasterId r:id="rId5"/>
   </p:notesMasterIdLst>
   <p:sldIdLst>
     <p:sldId id="256" r:id="rId2"/>
     <p:sldId id="257" r:id="rId3"/>
+    <p:sldId id="258" r:id="rId4"/>
   </p:sldIdLst>
   <p:sldSz cx="9144000" cy="6858000" type="screen4x3"/>
   <p:notesSz cx="6858000" cy="9144000"/>
@@ -193,7 +194,7 @@
           <a:p>
             <a:fld id="{91D01BDE-783A-8843-9405-18FBB36B2DEB}" type="datetimeFigureOut">
               <a:rPr lang="en-US" smtClean="0"/>
-              <a:t>11/29/16</a:t>
+              <a:t>11/30/16</a:t>
             </a:fld>
             <a:endParaRPr lang="en-US"/>
           </a:p>
@@ -629,6 +630,90 @@
 </p:notes>
 </file>
 
+<file path=ppt/notesSlides/notesSlide3.xml><?xml version="1.0" encoding="utf-8"?>
+<p:notes xmlns:a="http://schemas.openxmlformats.org/drawingml/2006/main" xmlns:r="http://schemas.openxmlformats.org/officeDocument/2006/relationships" xmlns:p="http://schemas.openxmlformats.org/presentationml/2006/main">
+  <p:cSld>
+    <p:spTree>
+      <p:nvGrpSpPr>
+        <p:cNvPr id="1" name=""/>
+        <p:cNvGrpSpPr/>
+        <p:nvPr/>
+      </p:nvGrpSpPr>
+      <p:grpSpPr>
+        <a:xfrm>
+          <a:off x="0" y="0"/>
+          <a:ext cx="0" cy="0"/>
+          <a:chOff x="0" y="0"/>
+          <a:chExt cx="0" cy="0"/>
+        </a:xfrm>
+      </p:grpSpPr>
+      <p:sp>
+        <p:nvSpPr>
+          <p:cNvPr id="2" name="Slide Image Placeholder 1"/>
+          <p:cNvSpPr>
+            <a:spLocks noGrp="1" noRot="1" noChangeAspect="1"/>
+          </p:cNvSpPr>
+          <p:nvPr>
+            <p:ph type="sldImg"/>
+          </p:nvPr>
+        </p:nvSpPr>
+        <p:spPr/>
+      </p:sp>
+      <p:sp>
+        <p:nvSpPr>
+          <p:cNvPr id="3" name="Notes Placeholder 2"/>
+          <p:cNvSpPr>
+            <a:spLocks noGrp="1"/>
+          </p:cNvSpPr>
+          <p:nvPr>
+            <p:ph type="body" idx="1"/>
+          </p:nvPr>
+        </p:nvSpPr>
+        <p:spPr/>
+        <p:txBody>
+          <a:bodyPr/>
+          <a:lstStyle/>
+          <a:p>
+            <a:endParaRPr lang="en-US" dirty="0"/>
+          </a:p>
+        </p:txBody>
+      </p:sp>
+      <p:sp>
+        <p:nvSpPr>
+          <p:cNvPr id="4" name="Slide Number Placeholder 3"/>
+          <p:cNvSpPr>
+            <a:spLocks noGrp="1"/>
+          </p:cNvSpPr>
+          <p:nvPr>
+            <p:ph type="sldNum" sz="quarter" idx="10"/>
+          </p:nvPr>
+        </p:nvSpPr>
+        <p:spPr/>
+        <p:txBody>
+          <a:bodyPr/>
+          <a:lstStyle/>
+          <a:p>
+            <a:fld id="{07135903-7CAD-9F4E-8E03-B5BF40ED3F94}" type="slidenum">
+              <a:rPr lang="en-US" smtClean="0"/>
+              <a:t>3</a:t>
+            </a:fld>
+            <a:endParaRPr lang="en-US"/>
+          </a:p>
+        </p:txBody>
+      </p:sp>
+    </p:spTree>
+    <p:extLst>
+      <p:ext uri="{BB962C8B-B14F-4D97-AF65-F5344CB8AC3E}">
+        <p14:creationId xmlns:p14="http://schemas.microsoft.com/office/powerpoint/2010/main" val="3621701505"/>
+      </p:ext>
+    </p:extLst>
+  </p:cSld>
+  <p:clrMapOvr>
+    <a:masterClrMapping/>
+  </p:clrMapOvr>
+</p:notes>
+</file>
+
 <file path=ppt/slideLayouts/slideLayout1.xml><?xml version="1.0" encoding="utf-8"?>
 <p:sldLayout xmlns:a="http://schemas.openxmlformats.org/drawingml/2006/main" xmlns:r="http://schemas.openxmlformats.org/officeDocument/2006/relationships" xmlns:p="http://schemas.openxmlformats.org/presentationml/2006/main" type="title" preserve="1">
   <p:cSld name="Title Slide">
@@ -810,7 +895,7 @@
           <a:p>
             <a:fld id="{6496A473-2180-CE47-B8E3-9E40DF578207}" type="datetimeFigureOut">
               <a:rPr lang="en-US" smtClean="0"/>
-              <a:t>11/29/16</a:t>
+              <a:t>11/30/16</a:t>
             </a:fld>
             <a:endParaRPr lang="en-US"/>
           </a:p>
@@ -980,7 +1065,7 @@
           <a:p>
             <a:fld id="{6496A473-2180-CE47-B8E3-9E40DF578207}" type="datetimeFigureOut">
               <a:rPr lang="en-US" smtClean="0"/>
-              <a:t>11/29/16</a:t>
+              <a:t>11/30/16</a:t>
             </a:fld>
             <a:endParaRPr lang="en-US"/>
           </a:p>
@@ -1160,7 +1245,7 @@
           <a:p>
             <a:fld id="{6496A473-2180-CE47-B8E3-9E40DF578207}" type="datetimeFigureOut">
               <a:rPr lang="en-US" smtClean="0"/>
-              <a:t>11/29/16</a:t>
+              <a:t>11/30/16</a:t>
             </a:fld>
             <a:endParaRPr lang="en-US"/>
           </a:p>
@@ -1330,7 +1415,7 @@
           <a:p>
             <a:fld id="{6496A473-2180-CE47-B8E3-9E40DF578207}" type="datetimeFigureOut">
               <a:rPr lang="en-US" smtClean="0"/>
-              <a:t>11/29/16</a:t>
+              <a:t>11/30/16</a:t>
             </a:fld>
             <a:endParaRPr lang="en-US"/>
           </a:p>
@@ -1576,7 +1661,7 @@
           <a:p>
             <a:fld id="{6496A473-2180-CE47-B8E3-9E40DF578207}" type="datetimeFigureOut">
               <a:rPr lang="en-US" smtClean="0"/>
-              <a:t>11/29/16</a:t>
+              <a:t>11/30/16</a:t>
             </a:fld>
             <a:endParaRPr lang="en-US"/>
           </a:p>
@@ -1864,7 +1949,7 @@
           <a:p>
             <a:fld id="{6496A473-2180-CE47-B8E3-9E40DF578207}" type="datetimeFigureOut">
               <a:rPr lang="en-US" smtClean="0"/>
-              <a:t>11/29/16</a:t>
+              <a:t>11/30/16</a:t>
             </a:fld>
             <a:endParaRPr lang="en-US"/>
           </a:p>
@@ -2286,7 +2371,7 @@
           <a:p>
             <a:fld id="{6496A473-2180-CE47-B8E3-9E40DF578207}" type="datetimeFigureOut">
               <a:rPr lang="en-US" smtClean="0"/>
-              <a:t>11/29/16</a:t>
+              <a:t>11/30/16</a:t>
             </a:fld>
             <a:endParaRPr lang="en-US"/>
           </a:p>
@@ -2404,7 +2489,7 @@
           <a:p>
             <a:fld id="{6496A473-2180-CE47-B8E3-9E40DF578207}" type="datetimeFigureOut">
               <a:rPr lang="en-US" smtClean="0"/>
-              <a:t>11/29/16</a:t>
+              <a:t>11/30/16</a:t>
             </a:fld>
             <a:endParaRPr lang="en-US"/>
           </a:p>
@@ -2499,7 +2584,7 @@
           <a:p>
             <a:fld id="{6496A473-2180-CE47-B8E3-9E40DF578207}" type="datetimeFigureOut">
               <a:rPr lang="en-US" smtClean="0"/>
-              <a:t>11/29/16</a:t>
+              <a:t>11/30/16</a:t>
             </a:fld>
             <a:endParaRPr lang="en-US"/>
           </a:p>
@@ -2776,7 +2861,7 @@
           <a:p>
             <a:fld id="{6496A473-2180-CE47-B8E3-9E40DF578207}" type="datetimeFigureOut">
               <a:rPr lang="en-US" smtClean="0"/>
-              <a:t>11/29/16</a:t>
+              <a:t>11/30/16</a:t>
             </a:fld>
             <a:endParaRPr lang="en-US"/>
           </a:p>
@@ -3029,7 +3114,7 @@
           <a:p>
             <a:fld id="{6496A473-2180-CE47-B8E3-9E40DF578207}" type="datetimeFigureOut">
               <a:rPr lang="en-US" smtClean="0"/>
-              <a:t>11/29/16</a:t>
+              <a:t>11/30/16</a:t>
             </a:fld>
             <a:endParaRPr lang="en-US"/>
           </a:p>
@@ -3242,7 +3327,7 @@
           <a:p>
             <a:fld id="{6496A473-2180-CE47-B8E3-9E40DF578207}" type="datetimeFigureOut">
               <a:rPr lang="en-US" smtClean="0"/>
-              <a:t>11/29/16</a:t>
+              <a:t>11/30/16</a:t>
             </a:fld>
             <a:endParaRPr lang="en-US"/>
           </a:p>
@@ -4202,6 +4287,342 @@
     <p:extLst>
       <p:ext uri="{BB962C8B-B14F-4D97-AF65-F5344CB8AC3E}">
         <p14:creationId xmlns:p14="http://schemas.microsoft.com/office/powerpoint/2010/main" val="3393281224"/>
+      </p:ext>
+    </p:extLst>
+  </p:cSld>
+  <p:clrMapOvr>
+    <a:masterClrMapping/>
+  </p:clrMapOvr>
+</p:sld>
+</file>
+
+<file path=ppt/slides/slide3.xml><?xml version="1.0" encoding="utf-8"?>
+<p:sld xmlns:a="http://schemas.openxmlformats.org/drawingml/2006/main" xmlns:r="http://schemas.openxmlformats.org/officeDocument/2006/relationships" xmlns:p="http://schemas.openxmlformats.org/presentationml/2006/main">
+  <p:cSld>
+    <p:spTree>
+      <p:nvGrpSpPr>
+        <p:cNvPr id="1" name=""/>
+        <p:cNvGrpSpPr/>
+        <p:nvPr/>
+      </p:nvGrpSpPr>
+      <p:grpSpPr>
+        <a:xfrm>
+          <a:off x="0" y="0"/>
+          <a:ext cx="0" cy="0"/>
+          <a:chOff x="0" y="0"/>
+          <a:chExt cx="0" cy="0"/>
+        </a:xfrm>
+      </p:grpSpPr>
+      <p:sp>
+        <p:nvSpPr>
+          <p:cNvPr id="8" name="Rectangle 7"/>
+          <p:cNvSpPr/>
+          <p:nvPr/>
+        </p:nvSpPr>
+        <p:spPr>
+          <a:xfrm>
+            <a:off x="2965060" y="3329992"/>
+            <a:ext cx="2109755" cy="2232085"/>
+          </a:xfrm>
+          <a:prstGeom prst="rect">
+            <a:avLst/>
+          </a:prstGeom>
+        </p:spPr>
+        <p:style>
+          <a:lnRef idx="2">
+            <a:schemeClr val="dk1"/>
+          </a:lnRef>
+          <a:fillRef idx="1">
+            <a:schemeClr val="lt1"/>
+          </a:fillRef>
+          <a:effectRef idx="0">
+            <a:schemeClr val="dk1"/>
+          </a:effectRef>
+          <a:fontRef idx="minor">
+            <a:schemeClr val="dk1"/>
+          </a:fontRef>
+        </p:style>
+        <p:txBody>
+          <a:bodyPr rtlCol="0" anchor="ctr"/>
+          <a:lstStyle/>
+          <a:p>
+            <a:pPr algn="ctr"/>
+            <a:endParaRPr lang="en-US"/>
+          </a:p>
+        </p:txBody>
+      </p:sp>
+      <p:pic>
+        <p:nvPicPr>
+          <p:cNvPr id="5" name="Picture 4"/>
+          <p:cNvPicPr>
+            <a:picLocks noChangeAspect="1"/>
+          </p:cNvPicPr>
+          <p:nvPr/>
+        </p:nvPicPr>
+        <p:blipFill>
+          <a:blip r:embed="rId3"/>
+          <a:stretch>
+            <a:fillRect/>
+          </a:stretch>
+        </p:blipFill>
+        <p:spPr>
+          <a:xfrm>
+            <a:off x="3124200" y="4381500"/>
+            <a:ext cx="546100" cy="342900"/>
+          </a:xfrm>
+          <a:prstGeom prst="rect">
+            <a:avLst/>
+          </a:prstGeom>
+        </p:spPr>
+      </p:pic>
+      <p:cxnSp>
+        <p:nvCxnSpPr>
+          <p:cNvPr id="13" name="Straight Arrow Connector 12"/>
+          <p:cNvCxnSpPr/>
+          <p:nvPr/>
+        </p:nvCxnSpPr>
+        <p:spPr>
+          <a:xfrm>
+            <a:off x="3550816" y="4800082"/>
+            <a:ext cx="252834" cy="228081"/>
+          </a:xfrm>
+          <a:prstGeom prst="straightConnector1">
+            <a:avLst/>
+          </a:prstGeom>
+          <a:ln>
+            <a:solidFill>
+              <a:srgbClr val="000000"/>
+            </a:solidFill>
+            <a:tailEnd type="arrow"/>
+          </a:ln>
+          <a:effectLst/>
+        </p:spPr>
+        <p:style>
+          <a:lnRef idx="2">
+            <a:schemeClr val="accent1"/>
+          </a:lnRef>
+          <a:fillRef idx="0">
+            <a:schemeClr val="accent1"/>
+          </a:fillRef>
+          <a:effectRef idx="1">
+            <a:schemeClr val="accent1"/>
+          </a:effectRef>
+          <a:fontRef idx="minor">
+            <a:schemeClr val="tx1"/>
+          </a:fontRef>
+        </p:style>
+      </p:cxnSp>
+      <p:cxnSp>
+        <p:nvCxnSpPr>
+          <p:cNvPr id="14" name="Straight Arrow Connector 13"/>
+          <p:cNvCxnSpPr/>
+          <p:nvPr/>
+        </p:nvCxnSpPr>
+        <p:spPr>
+          <a:xfrm flipH="1">
+            <a:off x="4324350" y="4800082"/>
+            <a:ext cx="252834" cy="228081"/>
+          </a:xfrm>
+          <a:prstGeom prst="straightConnector1">
+            <a:avLst/>
+          </a:prstGeom>
+          <a:ln>
+            <a:solidFill>
+              <a:srgbClr val="000000"/>
+            </a:solidFill>
+            <a:tailEnd type="arrow"/>
+          </a:ln>
+          <a:effectLst/>
+        </p:spPr>
+        <p:style>
+          <a:lnRef idx="2">
+            <a:schemeClr val="accent1"/>
+          </a:lnRef>
+          <a:fillRef idx="0">
+            <a:schemeClr val="accent1"/>
+          </a:fillRef>
+          <a:effectRef idx="1">
+            <a:schemeClr val="accent1"/>
+          </a:effectRef>
+          <a:fontRef idx="minor">
+            <a:schemeClr val="tx1"/>
+          </a:fontRef>
+        </p:style>
+      </p:cxnSp>
+      <p:cxnSp>
+        <p:nvCxnSpPr>
+          <p:cNvPr id="12" name="Straight Arrow Connector 11"/>
+          <p:cNvCxnSpPr/>
+          <p:nvPr/>
+        </p:nvCxnSpPr>
+        <p:spPr>
+          <a:xfrm>
+            <a:off x="4322924" y="3880235"/>
+            <a:ext cx="177800" cy="399147"/>
+          </a:xfrm>
+          <a:prstGeom prst="straightConnector1">
+            <a:avLst/>
+          </a:prstGeom>
+          <a:ln>
+            <a:solidFill>
+              <a:srgbClr val="000000"/>
+            </a:solidFill>
+            <a:tailEnd type="arrow"/>
+          </a:ln>
+          <a:effectLst/>
+        </p:spPr>
+        <p:style>
+          <a:lnRef idx="2">
+            <a:schemeClr val="accent1"/>
+          </a:lnRef>
+          <a:fillRef idx="0">
+            <a:schemeClr val="accent1"/>
+          </a:fillRef>
+          <a:effectRef idx="1">
+            <a:schemeClr val="accent1"/>
+          </a:effectRef>
+          <a:fontRef idx="minor">
+            <a:schemeClr val="tx1"/>
+          </a:fontRef>
+        </p:style>
+      </p:cxnSp>
+      <p:cxnSp>
+        <p:nvCxnSpPr>
+          <p:cNvPr id="15" name="Straight Arrow Connector 14"/>
+          <p:cNvCxnSpPr/>
+          <p:nvPr/>
+        </p:nvCxnSpPr>
+        <p:spPr>
+          <a:xfrm flipH="1">
+            <a:off x="4869930" y="3880235"/>
+            <a:ext cx="381131" cy="399147"/>
+          </a:xfrm>
+          <a:prstGeom prst="straightConnector1">
+            <a:avLst/>
+          </a:prstGeom>
+          <a:ln>
+            <a:solidFill>
+              <a:srgbClr val="000000"/>
+            </a:solidFill>
+            <a:tailEnd type="arrow"/>
+          </a:ln>
+          <a:effectLst/>
+        </p:spPr>
+        <p:style>
+          <a:lnRef idx="2">
+            <a:schemeClr val="accent1"/>
+          </a:lnRef>
+          <a:fillRef idx="0">
+            <a:schemeClr val="accent1"/>
+          </a:fillRef>
+          <a:effectRef idx="1">
+            <a:schemeClr val="accent1"/>
+          </a:effectRef>
+          <a:fontRef idx="minor">
+            <a:schemeClr val="tx1"/>
+          </a:fontRef>
+        </p:style>
+      </p:cxnSp>
+      <p:pic>
+        <p:nvPicPr>
+          <p:cNvPr id="6" name="Picture 5"/>
+          <p:cNvPicPr>
+            <a:picLocks noChangeAspect="1"/>
+          </p:cNvPicPr>
+          <p:nvPr/>
+        </p:nvPicPr>
+        <p:blipFill>
+          <a:blip r:embed="rId4"/>
+          <a:stretch>
+            <a:fillRect/>
+          </a:stretch>
+        </p:blipFill>
+        <p:spPr>
+          <a:xfrm>
+            <a:off x="3762569" y="5034643"/>
+            <a:ext cx="660400" cy="457200"/>
+          </a:xfrm>
+          <a:prstGeom prst="rect">
+            <a:avLst/>
+          </a:prstGeom>
+        </p:spPr>
+      </p:pic>
+      <p:pic>
+        <p:nvPicPr>
+          <p:cNvPr id="9" name="Picture 8"/>
+          <p:cNvPicPr>
+            <a:picLocks noChangeAspect="1"/>
+          </p:cNvPicPr>
+          <p:nvPr/>
+        </p:nvPicPr>
+        <p:blipFill>
+          <a:blip r:embed="rId5"/>
+          <a:stretch>
+            <a:fillRect/>
+          </a:stretch>
+        </p:blipFill>
+        <p:spPr>
+          <a:xfrm>
+            <a:off x="4476230" y="4381500"/>
+            <a:ext cx="393700" cy="279400"/>
+          </a:xfrm>
+          <a:prstGeom prst="rect">
+            <a:avLst/>
+          </a:prstGeom>
+        </p:spPr>
+      </p:pic>
+      <p:pic>
+        <p:nvPicPr>
+          <p:cNvPr id="11" name="Picture 10"/>
+          <p:cNvPicPr>
+            <a:picLocks noChangeAspect="1"/>
+          </p:cNvPicPr>
+          <p:nvPr/>
+        </p:nvPicPr>
+        <p:blipFill>
+          <a:blip r:embed="rId6"/>
+          <a:stretch>
+            <a:fillRect/>
+          </a:stretch>
+        </p:blipFill>
+        <p:spPr>
+          <a:xfrm>
+            <a:off x="5251061" y="3433749"/>
+            <a:ext cx="431800" cy="419100"/>
+          </a:xfrm>
+          <a:prstGeom prst="rect">
+            <a:avLst/>
+          </a:prstGeom>
+        </p:spPr>
+      </p:pic>
+      <p:pic>
+        <p:nvPicPr>
+          <p:cNvPr id="16" name="Picture 15"/>
+          <p:cNvPicPr>
+            <a:picLocks noChangeAspect="1"/>
+          </p:cNvPicPr>
+          <p:nvPr/>
+        </p:nvPicPr>
+        <p:blipFill>
+          <a:blip r:embed="rId7"/>
+          <a:stretch>
+            <a:fillRect/>
+          </a:stretch>
+        </p:blipFill>
+        <p:spPr>
+          <a:xfrm>
+            <a:off x="3803650" y="3433749"/>
+            <a:ext cx="911939" cy="315343"/>
+          </a:xfrm>
+          <a:prstGeom prst="rect">
+            <a:avLst/>
+          </a:prstGeom>
+        </p:spPr>
+      </p:pic>
+    </p:spTree>
+    <p:extLst>
+      <p:ext uri="{BB962C8B-B14F-4D97-AF65-F5344CB8AC3E}">
+        <p14:creationId xmlns:p14="http://schemas.microsoft.com/office/powerpoint/2010/main" val="105340663"/>
       </p:ext>
     </p:extLst>
   </p:cSld>
